--- a/PPT/Very low exposure simulator 23-03-2024.pptx
+++ b/PPT/Very low exposure simulator 23-03-2024.pptx
@@ -201,7 +201,7 @@
           <a:p>
             <a:fld id="{B7D81E3B-5B1B-4148-AEFC-641775C6E101}" type="datetimeFigureOut">
               <a:rPr lang="en-IN" smtClean="0"/>
-              <a:t>22-03-2024</a:t>
+              <a:t>18-04-2024</a:t>
             </a:fld>
             <a:endParaRPr lang="en-IN"/>
           </a:p>
@@ -722,7 +722,7 @@
           <a:p>
             <a:fld id="{6DEAFF5A-FA29-4562-9263-5B2D0F8E3076}" type="datetimeFigureOut">
               <a:rPr lang="en-IN" smtClean="0"/>
-              <a:t>22-03-2024</a:t>
+              <a:t>18-04-2024</a:t>
             </a:fld>
             <a:endParaRPr lang="en-IN"/>
           </a:p>
@@ -922,7 +922,7 @@
           <a:p>
             <a:fld id="{6DEAFF5A-FA29-4562-9263-5B2D0F8E3076}" type="datetimeFigureOut">
               <a:rPr lang="en-IN" smtClean="0"/>
-              <a:t>22-03-2024</a:t>
+              <a:t>18-04-2024</a:t>
             </a:fld>
             <a:endParaRPr lang="en-IN"/>
           </a:p>
@@ -1132,7 +1132,7 @@
           <a:p>
             <a:fld id="{6DEAFF5A-FA29-4562-9263-5B2D0F8E3076}" type="datetimeFigureOut">
               <a:rPr lang="en-IN" smtClean="0"/>
-              <a:t>22-03-2024</a:t>
+              <a:t>18-04-2024</a:t>
             </a:fld>
             <a:endParaRPr lang="en-IN"/>
           </a:p>
@@ -2036,7 +2036,7 @@
           <a:p>
             <a:fld id="{6DEAFF5A-FA29-4562-9263-5B2D0F8E3076}" type="datetimeFigureOut">
               <a:rPr lang="en-IN" smtClean="0"/>
-              <a:t>22-03-2024</a:t>
+              <a:t>18-04-2024</a:t>
             </a:fld>
             <a:endParaRPr lang="en-IN"/>
           </a:p>
@@ -2312,7 +2312,7 @@
           <a:p>
             <a:fld id="{6DEAFF5A-FA29-4562-9263-5B2D0F8E3076}" type="datetimeFigureOut">
               <a:rPr lang="en-IN" smtClean="0"/>
-              <a:t>22-03-2024</a:t>
+              <a:t>18-04-2024</a:t>
             </a:fld>
             <a:endParaRPr lang="en-IN"/>
           </a:p>
@@ -2580,7 +2580,7 @@
           <a:p>
             <a:fld id="{6DEAFF5A-FA29-4562-9263-5B2D0F8E3076}" type="datetimeFigureOut">
               <a:rPr lang="en-IN" smtClean="0"/>
-              <a:t>22-03-2024</a:t>
+              <a:t>18-04-2024</a:t>
             </a:fld>
             <a:endParaRPr lang="en-IN"/>
           </a:p>
@@ -2995,7 +2995,7 @@
           <a:p>
             <a:fld id="{6DEAFF5A-FA29-4562-9263-5B2D0F8E3076}" type="datetimeFigureOut">
               <a:rPr lang="en-IN" smtClean="0"/>
-              <a:t>22-03-2024</a:t>
+              <a:t>18-04-2024</a:t>
             </a:fld>
             <a:endParaRPr lang="en-IN"/>
           </a:p>
@@ -3137,7 +3137,7 @@
           <a:p>
             <a:fld id="{6DEAFF5A-FA29-4562-9263-5B2D0F8E3076}" type="datetimeFigureOut">
               <a:rPr lang="en-IN" smtClean="0"/>
-              <a:t>22-03-2024</a:t>
+              <a:t>18-04-2024</a:t>
             </a:fld>
             <a:endParaRPr lang="en-IN"/>
           </a:p>
@@ -3250,7 +3250,7 @@
           <a:p>
             <a:fld id="{6DEAFF5A-FA29-4562-9263-5B2D0F8E3076}" type="datetimeFigureOut">
               <a:rPr lang="en-IN" smtClean="0"/>
-              <a:t>22-03-2024</a:t>
+              <a:t>18-04-2024</a:t>
             </a:fld>
             <a:endParaRPr lang="en-IN"/>
           </a:p>
@@ -3563,7 +3563,7 @@
           <a:p>
             <a:fld id="{6DEAFF5A-FA29-4562-9263-5B2D0F8E3076}" type="datetimeFigureOut">
               <a:rPr lang="en-IN" smtClean="0"/>
-              <a:t>22-03-2024</a:t>
+              <a:t>18-04-2024</a:t>
             </a:fld>
             <a:endParaRPr lang="en-IN"/>
           </a:p>
@@ -3852,7 +3852,7 @@
           <a:p>
             <a:fld id="{6DEAFF5A-FA29-4562-9263-5B2D0F8E3076}" type="datetimeFigureOut">
               <a:rPr lang="en-IN" smtClean="0"/>
-              <a:t>22-03-2024</a:t>
+              <a:t>18-04-2024</a:t>
             </a:fld>
             <a:endParaRPr lang="en-IN"/>
           </a:p>
@@ -4095,7 +4095,7 @@
           <a:p>
             <a:fld id="{6DEAFF5A-FA29-4562-9263-5B2D0F8E3076}" type="datetimeFigureOut">
               <a:rPr lang="en-IN" smtClean="0"/>
-              <a:t>22-03-2024</a:t>
+              <a:t>18-04-2024</a:t>
             </a:fld>
             <a:endParaRPr lang="en-IN"/>
           </a:p>
@@ -6295,36 +6295,6 @@
           </a:p>
         </p:txBody>
       </p:sp>
-      <p:pic>
-        <p:nvPicPr>
-          <p:cNvPr id="5" name="Picture 4">
-            <a:extLst>
-              <a:ext uri="{FF2B5EF4-FFF2-40B4-BE49-F238E27FC236}">
-                <a16:creationId xmlns:a16="http://schemas.microsoft.com/office/drawing/2014/main" id="{44F31281-14CF-3A7C-0DAA-65F7E25B5D2B}"/>
-              </a:ext>
-            </a:extLst>
-          </p:cNvPr>
-          <p:cNvPicPr>
-            <a:picLocks noChangeAspect="1"/>
-          </p:cNvPicPr>
-          <p:nvPr/>
-        </p:nvPicPr>
-        <p:blipFill>
-          <a:blip r:embed="rId2"/>
-          <a:stretch>
-            <a:fillRect/>
-          </a:stretch>
-        </p:blipFill>
-        <p:spPr>
-          <a:xfrm>
-            <a:off x="2754340" y="1058974"/>
-            <a:ext cx="6683319" cy="4740051"/>
-          </a:xfrm>
-          <a:prstGeom prst="rect">
-            <a:avLst/>
-          </a:prstGeom>
-        </p:spPr>
-      </p:pic>
     </p:spTree>
     <p:extLst>
       <p:ext uri="{BB962C8B-B14F-4D97-AF65-F5344CB8AC3E}">
